--- a/figure/network.pptx
+++ b/figure/network.pptx
@@ -104,6 +104,11 @@
       </a:defRPr>
     </a:lvl9pPr>
   </p:defaultTextStyle>
+  <p:extLst>
+    <p:ext uri="{EFAFB233-063F-42B5-8137-9DF3F51BA10A}">
+      <p15:sldGuideLst xmlns:p15="http://schemas.microsoft.com/office/powerpoint/2012/main"/>
+    </p:ext>
+  </p:extLst>
 </p:presentation>
 </file>
 
@@ -254,7 +259,7 @@
           <a:p>
             <a:fld id="{9F6D9C70-3C0F-4344-A95E-79C203EEF5DE}" type="datetimeFigureOut">
               <a:rPr lang="ko-KR" altLang="en-US" smtClean="0"/>
-              <a:t>2023-03-03</a:t>
+              <a:t>2023-04-11</a:t>
             </a:fld>
             <a:endParaRPr lang="ko-KR" altLang="en-US"/>
           </a:p>
@@ -452,7 +457,7 @@
           <a:p>
             <a:fld id="{9F6D9C70-3C0F-4344-A95E-79C203EEF5DE}" type="datetimeFigureOut">
               <a:rPr lang="ko-KR" altLang="en-US" smtClean="0"/>
-              <a:t>2023-03-03</a:t>
+              <a:t>2023-04-11</a:t>
             </a:fld>
             <a:endParaRPr lang="ko-KR" altLang="en-US"/>
           </a:p>
@@ -660,7 +665,7 @@
           <a:p>
             <a:fld id="{9F6D9C70-3C0F-4344-A95E-79C203EEF5DE}" type="datetimeFigureOut">
               <a:rPr lang="ko-KR" altLang="en-US" smtClean="0"/>
-              <a:t>2023-03-03</a:t>
+              <a:t>2023-04-11</a:t>
             </a:fld>
             <a:endParaRPr lang="ko-KR" altLang="en-US"/>
           </a:p>
@@ -858,7 +863,7 @@
           <a:p>
             <a:fld id="{9F6D9C70-3C0F-4344-A95E-79C203EEF5DE}" type="datetimeFigureOut">
               <a:rPr lang="ko-KR" altLang="en-US" smtClean="0"/>
-              <a:t>2023-03-03</a:t>
+              <a:t>2023-04-11</a:t>
             </a:fld>
             <a:endParaRPr lang="ko-KR" altLang="en-US"/>
           </a:p>
@@ -1133,7 +1138,7 @@
           <a:p>
             <a:fld id="{9F6D9C70-3C0F-4344-A95E-79C203EEF5DE}" type="datetimeFigureOut">
               <a:rPr lang="ko-KR" altLang="en-US" smtClean="0"/>
-              <a:t>2023-03-03</a:t>
+              <a:t>2023-04-11</a:t>
             </a:fld>
             <a:endParaRPr lang="ko-KR" altLang="en-US"/>
           </a:p>
@@ -1398,7 +1403,7 @@
           <a:p>
             <a:fld id="{9F6D9C70-3C0F-4344-A95E-79C203EEF5DE}" type="datetimeFigureOut">
               <a:rPr lang="ko-KR" altLang="en-US" smtClean="0"/>
-              <a:t>2023-03-03</a:t>
+              <a:t>2023-04-11</a:t>
             </a:fld>
             <a:endParaRPr lang="ko-KR" altLang="en-US"/>
           </a:p>
@@ -1810,7 +1815,7 @@
           <a:p>
             <a:fld id="{9F6D9C70-3C0F-4344-A95E-79C203EEF5DE}" type="datetimeFigureOut">
               <a:rPr lang="ko-KR" altLang="en-US" smtClean="0"/>
-              <a:t>2023-03-03</a:t>
+              <a:t>2023-04-11</a:t>
             </a:fld>
             <a:endParaRPr lang="ko-KR" altLang="en-US"/>
           </a:p>
@@ -1951,7 +1956,7 @@
           <a:p>
             <a:fld id="{9F6D9C70-3C0F-4344-A95E-79C203EEF5DE}" type="datetimeFigureOut">
               <a:rPr lang="ko-KR" altLang="en-US" smtClean="0"/>
-              <a:t>2023-03-03</a:t>
+              <a:t>2023-04-11</a:t>
             </a:fld>
             <a:endParaRPr lang="ko-KR" altLang="en-US"/>
           </a:p>
@@ -2064,7 +2069,7 @@
           <a:p>
             <a:fld id="{9F6D9C70-3C0F-4344-A95E-79C203EEF5DE}" type="datetimeFigureOut">
               <a:rPr lang="ko-KR" altLang="en-US" smtClean="0"/>
-              <a:t>2023-03-03</a:t>
+              <a:t>2023-04-11</a:t>
             </a:fld>
             <a:endParaRPr lang="ko-KR" altLang="en-US"/>
           </a:p>
@@ -2375,7 +2380,7 @@
           <a:p>
             <a:fld id="{9F6D9C70-3C0F-4344-A95E-79C203EEF5DE}" type="datetimeFigureOut">
               <a:rPr lang="ko-KR" altLang="en-US" smtClean="0"/>
-              <a:t>2023-03-03</a:t>
+              <a:t>2023-04-11</a:t>
             </a:fld>
             <a:endParaRPr lang="ko-KR" altLang="en-US"/>
           </a:p>
@@ -2663,7 +2668,7 @@
           <a:p>
             <a:fld id="{9F6D9C70-3C0F-4344-A95E-79C203EEF5DE}" type="datetimeFigureOut">
               <a:rPr lang="ko-KR" altLang="en-US" smtClean="0"/>
-              <a:t>2023-03-03</a:t>
+              <a:t>2023-04-11</a:t>
             </a:fld>
             <a:endParaRPr lang="ko-KR" altLang="en-US"/>
           </a:p>
@@ -2904,7 +2909,7 @@
           <a:p>
             <a:fld id="{9F6D9C70-3C0F-4344-A95E-79C203EEF5DE}" type="datetimeFigureOut">
               <a:rPr lang="ko-KR" altLang="en-US" smtClean="0"/>
-              <a:t>2023-03-03</a:t>
+              <a:t>2023-04-11</a:t>
             </a:fld>
             <a:endParaRPr lang="ko-KR" altLang="en-US"/>
           </a:p>
@@ -3321,6 +3326,49 @@
           <a:chExt cx="0" cy="0"/>
         </a:xfrm>
       </p:grpSpPr>
+      <p:cxnSp>
+        <p:nvCxnSpPr>
+          <p:cNvPr id="3" name="직선 연결선 2">
+            <a:extLst>
+              <a:ext uri="{FF2B5EF4-FFF2-40B4-BE49-F238E27FC236}">
+                <a16:creationId xmlns:a16="http://schemas.microsoft.com/office/drawing/2014/main" id="{124646C0-B208-8D40-2246-E2161C726A43}"/>
+              </a:ext>
+            </a:extLst>
+          </p:cNvPr>
+          <p:cNvCxnSpPr>
+            <a:cxnSpLocks/>
+          </p:cNvCxnSpPr>
+          <p:nvPr/>
+        </p:nvCxnSpPr>
+        <p:spPr>
+          <a:xfrm>
+            <a:off x="6512812" y="5343387"/>
+            <a:ext cx="0" cy="247182"/>
+          </a:xfrm>
+          <a:prstGeom prst="line">
+            <a:avLst/>
+          </a:prstGeom>
+          <a:ln w="19050">
+            <a:solidFill>
+              <a:schemeClr val="tx1"/>
+            </a:solidFill>
+          </a:ln>
+        </p:spPr>
+        <p:style>
+          <a:lnRef idx="1">
+            <a:schemeClr val="accent1"/>
+          </a:lnRef>
+          <a:fillRef idx="0">
+            <a:schemeClr val="accent1"/>
+          </a:fillRef>
+          <a:effectRef idx="0">
+            <a:schemeClr val="accent1"/>
+          </a:effectRef>
+          <a:fontRef idx="minor">
+            <a:schemeClr val="tx1"/>
+          </a:fontRef>
+        </p:style>
+      </p:cxnSp>
       <p:sp>
         <p:nvSpPr>
           <p:cNvPr id="28" name="직사각형 27">
@@ -4302,50 +4350,6 @@
           </a:p>
         </p:txBody>
       </p:sp>
-      <p:cxnSp>
-        <p:nvCxnSpPr>
-          <p:cNvPr id="46" name="직선 화살표 연결선 45">
-            <a:extLst>
-              <a:ext uri="{FF2B5EF4-FFF2-40B4-BE49-F238E27FC236}">
-                <a16:creationId xmlns:a16="http://schemas.microsoft.com/office/drawing/2014/main" id="{B55CFBB3-FBA4-8BF3-AB05-C27208DDFBA0}"/>
-              </a:ext>
-            </a:extLst>
-          </p:cNvPr>
-          <p:cNvCxnSpPr>
-            <a:cxnSpLocks/>
-          </p:cNvCxnSpPr>
-          <p:nvPr/>
-        </p:nvCxnSpPr>
-        <p:spPr>
-          <a:xfrm>
-            <a:off x="6512812" y="5390297"/>
-            <a:ext cx="0" cy="190499"/>
-          </a:xfrm>
-          <a:prstGeom prst="straightConnector1">
-            <a:avLst/>
-          </a:prstGeom>
-          <a:ln w="19050">
-            <a:solidFill>
-              <a:schemeClr val="tx1"/>
-            </a:solidFill>
-            <a:tailEnd type="triangle"/>
-          </a:ln>
-        </p:spPr>
-        <p:style>
-          <a:lnRef idx="1">
-            <a:schemeClr val="accent1"/>
-          </a:lnRef>
-          <a:fillRef idx="0">
-            <a:schemeClr val="accent1"/>
-          </a:fillRef>
-          <a:effectRef idx="0">
-            <a:schemeClr val="accent1"/>
-          </a:effectRef>
-          <a:fontRef idx="minor">
-            <a:schemeClr val="tx1"/>
-          </a:fontRef>
-        </p:style>
-      </p:cxnSp>
       <p:sp>
         <p:nvSpPr>
           <p:cNvPr id="47" name="TextBox 46">
@@ -6651,50 +6655,6 @@
           </a:p>
         </p:txBody>
       </p:sp>
-      <p:cxnSp>
-        <p:nvCxnSpPr>
-          <p:cNvPr id="88" name="직선 화살표 연결선 87">
-            <a:extLst>
-              <a:ext uri="{FF2B5EF4-FFF2-40B4-BE49-F238E27FC236}">
-                <a16:creationId xmlns:a16="http://schemas.microsoft.com/office/drawing/2014/main" id="{EE4B6455-BFBE-4D41-889A-419F1E7CC921}"/>
-              </a:ext>
-            </a:extLst>
-          </p:cNvPr>
-          <p:cNvCxnSpPr>
-            <a:cxnSpLocks/>
-          </p:cNvCxnSpPr>
-          <p:nvPr/>
-        </p:nvCxnSpPr>
-        <p:spPr>
-          <a:xfrm>
-            <a:off x="11480835" y="636477"/>
-            <a:ext cx="0" cy="190499"/>
-          </a:xfrm>
-          <a:prstGeom prst="straightConnector1">
-            <a:avLst/>
-          </a:prstGeom>
-          <a:ln w="19050">
-            <a:solidFill>
-              <a:schemeClr val="tx1"/>
-            </a:solidFill>
-            <a:tailEnd type="triangle"/>
-          </a:ln>
-        </p:spPr>
-        <p:style>
-          <a:lnRef idx="1">
-            <a:schemeClr val="accent1"/>
-          </a:lnRef>
-          <a:fillRef idx="0">
-            <a:schemeClr val="accent1"/>
-          </a:fillRef>
-          <a:effectRef idx="0">
-            <a:schemeClr val="accent1"/>
-          </a:effectRef>
-          <a:fontRef idx="minor">
-            <a:schemeClr val="tx1"/>
-          </a:fontRef>
-        </p:style>
-      </p:cxnSp>
       <p:sp>
         <p:nvSpPr>
           <p:cNvPr id="89" name="직사각형 88">
@@ -7812,50 +7772,6 @@
           </a:fontRef>
         </p:style>
       </p:cxnSp>
-      <p:cxnSp>
-        <p:nvCxnSpPr>
-          <p:cNvPr id="108" name="직선 화살표 연결선 107">
-            <a:extLst>
-              <a:ext uri="{FF2B5EF4-FFF2-40B4-BE49-F238E27FC236}">
-                <a16:creationId xmlns:a16="http://schemas.microsoft.com/office/drawing/2014/main" id="{37620CEC-723D-6799-D686-B382B263FC3D}"/>
-              </a:ext>
-            </a:extLst>
-          </p:cNvPr>
-          <p:cNvCxnSpPr>
-            <a:cxnSpLocks/>
-          </p:cNvCxnSpPr>
-          <p:nvPr/>
-        </p:nvCxnSpPr>
-        <p:spPr>
-          <a:xfrm>
-            <a:off x="9969445" y="5904318"/>
-            <a:ext cx="0" cy="190499"/>
-          </a:xfrm>
-          <a:prstGeom prst="straightConnector1">
-            <a:avLst/>
-          </a:prstGeom>
-          <a:ln w="19050">
-            <a:solidFill>
-              <a:schemeClr val="tx1"/>
-            </a:solidFill>
-            <a:tailEnd type="triangle"/>
-          </a:ln>
-        </p:spPr>
-        <p:style>
-          <a:lnRef idx="1">
-            <a:schemeClr val="accent1"/>
-          </a:lnRef>
-          <a:fillRef idx="0">
-            <a:schemeClr val="accent1"/>
-          </a:fillRef>
-          <a:effectRef idx="0">
-            <a:schemeClr val="accent1"/>
-          </a:effectRef>
-          <a:fontRef idx="minor">
-            <a:schemeClr val="tx1"/>
-          </a:fontRef>
-        </p:style>
-      </p:cxnSp>
       <p:sp>
         <p:nvSpPr>
           <p:cNvPr id="109" name="직사각형 108">
@@ -11069,6 +10985,393 @@
           </a:p>
         </p:txBody>
       </p:sp>
+      <p:cxnSp>
+        <p:nvCxnSpPr>
+          <p:cNvPr id="46" name="직선 화살표 연결선 45">
+            <a:extLst>
+              <a:ext uri="{FF2B5EF4-FFF2-40B4-BE49-F238E27FC236}">
+                <a16:creationId xmlns:a16="http://schemas.microsoft.com/office/drawing/2014/main" id="{B55CFBB3-FBA4-8BF3-AB05-C27208DDFBA0}"/>
+              </a:ext>
+            </a:extLst>
+          </p:cNvPr>
+          <p:cNvCxnSpPr>
+            <a:cxnSpLocks/>
+          </p:cNvCxnSpPr>
+          <p:nvPr/>
+        </p:nvCxnSpPr>
+        <p:spPr>
+          <a:xfrm>
+            <a:off x="8011694" y="549056"/>
+            <a:ext cx="0" cy="247378"/>
+          </a:xfrm>
+          <a:prstGeom prst="straightConnector1">
+            <a:avLst/>
+          </a:prstGeom>
+          <a:ln w="19050">
+            <a:solidFill>
+              <a:schemeClr val="tx1"/>
+            </a:solidFill>
+            <a:tailEnd type="triangle"/>
+          </a:ln>
+        </p:spPr>
+        <p:style>
+          <a:lnRef idx="1">
+            <a:schemeClr val="accent1"/>
+          </a:lnRef>
+          <a:fillRef idx="0">
+            <a:schemeClr val="accent1"/>
+          </a:fillRef>
+          <a:effectRef idx="0">
+            <a:schemeClr val="accent1"/>
+          </a:effectRef>
+          <a:fontRef idx="minor">
+            <a:schemeClr val="tx1"/>
+          </a:fontRef>
+        </p:style>
+      </p:cxnSp>
+      <p:cxnSp>
+        <p:nvCxnSpPr>
+          <p:cNvPr id="4" name="직선 연결선 3">
+            <a:extLst>
+              <a:ext uri="{FF2B5EF4-FFF2-40B4-BE49-F238E27FC236}">
+                <a16:creationId xmlns:a16="http://schemas.microsoft.com/office/drawing/2014/main" id="{FB2AED08-B44D-4C2F-01A6-CA14751564BC}"/>
+              </a:ext>
+            </a:extLst>
+          </p:cNvPr>
+          <p:cNvCxnSpPr>
+            <a:cxnSpLocks/>
+          </p:cNvCxnSpPr>
+          <p:nvPr/>
+        </p:nvCxnSpPr>
+        <p:spPr>
+          <a:xfrm>
+            <a:off x="6503193" y="5589608"/>
+            <a:ext cx="718003" cy="0"/>
+          </a:xfrm>
+          <a:prstGeom prst="line">
+            <a:avLst/>
+          </a:prstGeom>
+          <a:ln w="19050">
+            <a:solidFill>
+              <a:schemeClr val="tx1"/>
+            </a:solidFill>
+          </a:ln>
+        </p:spPr>
+        <p:style>
+          <a:lnRef idx="1">
+            <a:schemeClr val="accent1"/>
+          </a:lnRef>
+          <a:fillRef idx="0">
+            <a:schemeClr val="accent1"/>
+          </a:fillRef>
+          <a:effectRef idx="0">
+            <a:schemeClr val="accent1"/>
+          </a:effectRef>
+          <a:fontRef idx="minor">
+            <a:schemeClr val="tx1"/>
+          </a:fontRef>
+        </p:style>
+      </p:cxnSp>
+      <p:cxnSp>
+        <p:nvCxnSpPr>
+          <p:cNvPr id="8" name="직선 연결선 7">
+            <a:extLst>
+              <a:ext uri="{FF2B5EF4-FFF2-40B4-BE49-F238E27FC236}">
+                <a16:creationId xmlns:a16="http://schemas.microsoft.com/office/drawing/2014/main" id="{ABD66717-7334-73ED-BB58-DA4FF8932E07}"/>
+              </a:ext>
+            </a:extLst>
+          </p:cNvPr>
+          <p:cNvCxnSpPr>
+            <a:cxnSpLocks/>
+          </p:cNvCxnSpPr>
+          <p:nvPr/>
+        </p:nvCxnSpPr>
+        <p:spPr>
+          <a:xfrm flipH="1">
+            <a:off x="7211270" y="549056"/>
+            <a:ext cx="16962" cy="5040552"/>
+          </a:xfrm>
+          <a:prstGeom prst="line">
+            <a:avLst/>
+          </a:prstGeom>
+          <a:ln w="19050">
+            <a:solidFill>
+              <a:schemeClr val="tx1"/>
+            </a:solidFill>
+          </a:ln>
+        </p:spPr>
+        <p:style>
+          <a:lnRef idx="1">
+            <a:schemeClr val="accent1"/>
+          </a:lnRef>
+          <a:fillRef idx="0">
+            <a:schemeClr val="accent1"/>
+          </a:fillRef>
+          <a:effectRef idx="0">
+            <a:schemeClr val="accent1"/>
+          </a:effectRef>
+          <a:fontRef idx="minor">
+            <a:schemeClr val="tx1"/>
+          </a:fontRef>
+        </p:style>
+      </p:cxnSp>
+      <p:cxnSp>
+        <p:nvCxnSpPr>
+          <p:cNvPr id="10" name="직선 연결선 9">
+            <a:extLst>
+              <a:ext uri="{FF2B5EF4-FFF2-40B4-BE49-F238E27FC236}">
+                <a16:creationId xmlns:a16="http://schemas.microsoft.com/office/drawing/2014/main" id="{8C09B767-436F-2863-BED1-CA43D7FA96A6}"/>
+              </a:ext>
+            </a:extLst>
+          </p:cNvPr>
+          <p:cNvCxnSpPr>
+            <a:cxnSpLocks/>
+          </p:cNvCxnSpPr>
+          <p:nvPr/>
+        </p:nvCxnSpPr>
+        <p:spPr>
+          <a:xfrm>
+            <a:off x="7218384" y="549056"/>
+            <a:ext cx="804150" cy="0"/>
+          </a:xfrm>
+          <a:prstGeom prst="line">
+            <a:avLst/>
+          </a:prstGeom>
+          <a:ln w="19050">
+            <a:solidFill>
+              <a:schemeClr val="tx1"/>
+            </a:solidFill>
+          </a:ln>
+        </p:spPr>
+        <p:style>
+          <a:lnRef idx="1">
+            <a:schemeClr val="accent1"/>
+          </a:lnRef>
+          <a:fillRef idx="0">
+            <a:schemeClr val="accent1"/>
+          </a:fillRef>
+          <a:effectRef idx="0">
+            <a:schemeClr val="accent1"/>
+          </a:effectRef>
+          <a:fontRef idx="minor">
+            <a:schemeClr val="tx1"/>
+          </a:fontRef>
+        </p:style>
+      </p:cxnSp>
+      <p:cxnSp>
+        <p:nvCxnSpPr>
+          <p:cNvPr id="27" name="직선 연결선 26">
+            <a:extLst>
+              <a:ext uri="{FF2B5EF4-FFF2-40B4-BE49-F238E27FC236}">
+                <a16:creationId xmlns:a16="http://schemas.microsoft.com/office/drawing/2014/main" id="{F0A1D584-44FF-E74E-E6D0-A21751E4D79D}"/>
+              </a:ext>
+            </a:extLst>
+          </p:cNvPr>
+          <p:cNvCxnSpPr/>
+          <p:nvPr/>
+        </p:nvCxnSpPr>
+        <p:spPr>
+          <a:xfrm>
+            <a:off x="9964672" y="5923518"/>
+            <a:ext cx="0" cy="234265"/>
+          </a:xfrm>
+          <a:prstGeom prst="line">
+            <a:avLst/>
+          </a:prstGeom>
+          <a:ln w="19050">
+            <a:solidFill>
+              <a:schemeClr val="tx1"/>
+            </a:solidFill>
+          </a:ln>
+        </p:spPr>
+        <p:style>
+          <a:lnRef idx="1">
+            <a:schemeClr val="accent1"/>
+          </a:lnRef>
+          <a:fillRef idx="0">
+            <a:schemeClr val="accent1"/>
+          </a:fillRef>
+          <a:effectRef idx="0">
+            <a:schemeClr val="accent1"/>
+          </a:effectRef>
+          <a:fontRef idx="minor">
+            <a:schemeClr val="tx1"/>
+          </a:fontRef>
+        </p:style>
+      </p:cxnSp>
+      <p:cxnSp>
+        <p:nvCxnSpPr>
+          <p:cNvPr id="159" name="직선 화살표 연결선 158">
+            <a:extLst>
+              <a:ext uri="{FF2B5EF4-FFF2-40B4-BE49-F238E27FC236}">
+                <a16:creationId xmlns:a16="http://schemas.microsoft.com/office/drawing/2014/main" id="{B85435F5-27DE-C616-D3AC-158531C50CEE}"/>
+              </a:ext>
+            </a:extLst>
+          </p:cNvPr>
+          <p:cNvCxnSpPr>
+            <a:cxnSpLocks/>
+          </p:cNvCxnSpPr>
+          <p:nvPr/>
+        </p:nvCxnSpPr>
+        <p:spPr>
+          <a:xfrm>
+            <a:off x="11479429" y="563026"/>
+            <a:ext cx="0" cy="247378"/>
+          </a:xfrm>
+          <a:prstGeom prst="straightConnector1">
+            <a:avLst/>
+          </a:prstGeom>
+          <a:ln w="19050">
+            <a:solidFill>
+              <a:schemeClr val="tx1"/>
+            </a:solidFill>
+            <a:tailEnd type="triangle"/>
+          </a:ln>
+        </p:spPr>
+        <p:style>
+          <a:lnRef idx="1">
+            <a:schemeClr val="accent1"/>
+          </a:lnRef>
+          <a:fillRef idx="0">
+            <a:schemeClr val="accent1"/>
+          </a:fillRef>
+          <a:effectRef idx="0">
+            <a:schemeClr val="accent1"/>
+          </a:effectRef>
+          <a:fontRef idx="minor">
+            <a:schemeClr val="tx1"/>
+          </a:fontRef>
+        </p:style>
+      </p:cxnSp>
+      <p:cxnSp>
+        <p:nvCxnSpPr>
+          <p:cNvPr id="160" name="직선 연결선 159">
+            <a:extLst>
+              <a:ext uri="{FF2B5EF4-FFF2-40B4-BE49-F238E27FC236}">
+                <a16:creationId xmlns:a16="http://schemas.microsoft.com/office/drawing/2014/main" id="{C35B5F5B-A50B-7EA4-4194-2BE6F7DF2C0B}"/>
+              </a:ext>
+            </a:extLst>
+          </p:cNvPr>
+          <p:cNvCxnSpPr>
+            <a:cxnSpLocks/>
+          </p:cNvCxnSpPr>
+          <p:nvPr/>
+        </p:nvCxnSpPr>
+        <p:spPr>
+          <a:xfrm>
+            <a:off x="9955053" y="6156822"/>
+            <a:ext cx="718003" cy="0"/>
+          </a:xfrm>
+          <a:prstGeom prst="line">
+            <a:avLst/>
+          </a:prstGeom>
+          <a:ln w="19050">
+            <a:solidFill>
+              <a:schemeClr val="tx1"/>
+            </a:solidFill>
+          </a:ln>
+        </p:spPr>
+        <p:style>
+          <a:lnRef idx="1">
+            <a:schemeClr val="accent1"/>
+          </a:lnRef>
+          <a:fillRef idx="0">
+            <a:schemeClr val="accent1"/>
+          </a:fillRef>
+          <a:effectRef idx="0">
+            <a:schemeClr val="accent1"/>
+          </a:effectRef>
+          <a:fontRef idx="minor">
+            <a:schemeClr val="tx1"/>
+          </a:fontRef>
+        </p:style>
+      </p:cxnSp>
+      <p:cxnSp>
+        <p:nvCxnSpPr>
+          <p:cNvPr id="161" name="직선 연결선 160">
+            <a:extLst>
+              <a:ext uri="{FF2B5EF4-FFF2-40B4-BE49-F238E27FC236}">
+                <a16:creationId xmlns:a16="http://schemas.microsoft.com/office/drawing/2014/main" id="{46CFE438-481A-385A-3CE7-25FC02EF9A32}"/>
+              </a:ext>
+            </a:extLst>
+          </p:cNvPr>
+          <p:cNvCxnSpPr>
+            <a:cxnSpLocks/>
+          </p:cNvCxnSpPr>
+          <p:nvPr/>
+        </p:nvCxnSpPr>
+        <p:spPr>
+          <a:xfrm flipH="1">
+            <a:off x="10663130" y="549056"/>
+            <a:ext cx="1446" cy="5607766"/>
+          </a:xfrm>
+          <a:prstGeom prst="line">
+            <a:avLst/>
+          </a:prstGeom>
+          <a:ln w="19050">
+            <a:solidFill>
+              <a:schemeClr val="tx1"/>
+            </a:solidFill>
+          </a:ln>
+        </p:spPr>
+        <p:style>
+          <a:lnRef idx="1">
+            <a:schemeClr val="accent1"/>
+          </a:lnRef>
+          <a:fillRef idx="0">
+            <a:schemeClr val="accent1"/>
+          </a:fillRef>
+          <a:effectRef idx="0">
+            <a:schemeClr val="accent1"/>
+          </a:effectRef>
+          <a:fontRef idx="minor">
+            <a:schemeClr val="tx1"/>
+          </a:fontRef>
+        </p:style>
+      </p:cxnSp>
+      <p:cxnSp>
+        <p:nvCxnSpPr>
+          <p:cNvPr id="173" name="직선 연결선 172">
+            <a:extLst>
+              <a:ext uri="{FF2B5EF4-FFF2-40B4-BE49-F238E27FC236}">
+                <a16:creationId xmlns:a16="http://schemas.microsoft.com/office/drawing/2014/main" id="{F46AD035-FA9F-89CC-6BD5-CFE580A420C4}"/>
+              </a:ext>
+            </a:extLst>
+          </p:cNvPr>
+          <p:cNvCxnSpPr>
+            <a:cxnSpLocks/>
+          </p:cNvCxnSpPr>
+          <p:nvPr/>
+        </p:nvCxnSpPr>
+        <p:spPr>
+          <a:xfrm>
+            <a:off x="10658368" y="563026"/>
+            <a:ext cx="833307" cy="0"/>
+          </a:xfrm>
+          <a:prstGeom prst="line">
+            <a:avLst/>
+          </a:prstGeom>
+          <a:ln w="19050">
+            <a:solidFill>
+              <a:schemeClr val="tx1"/>
+            </a:solidFill>
+          </a:ln>
+        </p:spPr>
+        <p:style>
+          <a:lnRef idx="1">
+            <a:schemeClr val="accent1"/>
+          </a:lnRef>
+          <a:fillRef idx="0">
+            <a:schemeClr val="accent1"/>
+          </a:fillRef>
+          <a:effectRef idx="0">
+            <a:schemeClr val="accent1"/>
+          </a:effectRef>
+          <a:fontRef idx="minor">
+            <a:schemeClr val="tx1"/>
+          </a:fontRef>
+        </p:style>
+      </p:cxnSp>
     </p:spTree>
     <p:extLst>
       <p:ext uri="{BB962C8B-B14F-4D97-AF65-F5344CB8AC3E}">
